--- a/DataHack 2022.pptx
+++ b/DataHack 2022.pptx
@@ -5,7 +5,7 @@
     <p:sldMasterId id="2147483648" r:id="rId1"/>
   </p:sldMasterIdLst>
   <p:notesMasterIdLst>
-    <p:notesMasterId r:id="rId11"/>
+    <p:notesMasterId r:id="rId13"/>
   </p:notesMasterIdLst>
   <p:sldIdLst>
     <p:sldId id="256" r:id="rId2"/>
@@ -15,8 +15,10 @@
     <p:sldId id="259" r:id="rId6"/>
     <p:sldId id="260" r:id="rId7"/>
     <p:sldId id="261" r:id="rId8"/>
-    <p:sldId id="262" r:id="rId9"/>
-    <p:sldId id="264" r:id="rId10"/>
+    <p:sldId id="266" r:id="rId9"/>
+    <p:sldId id="262" r:id="rId10"/>
+    <p:sldId id="264" r:id="rId11"/>
+    <p:sldId id="265" r:id="rId12"/>
   </p:sldIdLst>
   <p:sldSz cx="12192000" cy="6858000"/>
   <p:notesSz cx="6858000" cy="9144000"/>
@@ -554,6 +556,93 @@
 </p:notes>
 </file>
 
+<file path=ppt/notesSlides/notesSlide10.xml><?xml version="1.0" encoding="utf-8"?>
+<p:notes xmlns:a="http://schemas.openxmlformats.org/drawingml/2006/main" xmlns:r="http://schemas.openxmlformats.org/officeDocument/2006/relationships" xmlns:p="http://schemas.openxmlformats.org/presentationml/2006/main">
+  <p:cSld>
+    <p:spTree>
+      <p:nvGrpSpPr>
+        <p:cNvPr id="1" name=""/>
+        <p:cNvGrpSpPr/>
+        <p:nvPr/>
+      </p:nvGrpSpPr>
+      <p:grpSpPr>
+        <a:xfrm>
+          <a:off x="0" y="0"/>
+          <a:ext cx="0" cy="0"/>
+          <a:chOff x="0" y="0"/>
+          <a:chExt cx="0" cy="0"/>
+        </a:xfrm>
+      </p:grpSpPr>
+      <p:sp>
+        <p:nvSpPr>
+          <p:cNvPr id="2" name="Slide Image Placeholder 1"/>
+          <p:cNvSpPr>
+            <a:spLocks noGrp="1" noRot="1" noChangeAspect="1"/>
+          </p:cNvSpPr>
+          <p:nvPr>
+            <p:ph type="sldImg"/>
+          </p:nvPr>
+        </p:nvSpPr>
+        <p:spPr/>
+      </p:sp>
+      <p:sp>
+        <p:nvSpPr>
+          <p:cNvPr id="3" name="Notes Placeholder 2"/>
+          <p:cNvSpPr>
+            <a:spLocks noGrp="1"/>
+          </p:cNvSpPr>
+          <p:nvPr>
+            <p:ph type="body" idx="1"/>
+          </p:nvPr>
+        </p:nvSpPr>
+        <p:spPr/>
+        <p:txBody>
+          <a:bodyPr/>
+          <a:lstStyle/>
+          <a:p>
+            <a:r>
+              <a:rPr lang="en-US" dirty="0"/>
+              <a:t>Here is how your team will be evaluated (basically read off the slide).</a:t>
+            </a:r>
+          </a:p>
+        </p:txBody>
+      </p:sp>
+      <p:sp>
+        <p:nvSpPr>
+          <p:cNvPr id="4" name="Slide Number Placeholder 3"/>
+          <p:cNvSpPr>
+            <a:spLocks noGrp="1"/>
+          </p:cNvSpPr>
+          <p:nvPr>
+            <p:ph type="sldNum" sz="quarter" idx="5"/>
+          </p:nvPr>
+        </p:nvSpPr>
+        <p:spPr/>
+        <p:txBody>
+          <a:bodyPr/>
+          <a:lstStyle/>
+          <a:p>
+            <a:fld id="{2B55E2ED-C8C4-40A1-8927-FAA740BD50E4}" type="slidenum">
+              <a:rPr lang="en-US" smtClean="0"/>
+              <a:t>11</a:t>
+            </a:fld>
+            <a:endParaRPr lang="en-US"/>
+          </a:p>
+        </p:txBody>
+      </p:sp>
+    </p:spTree>
+    <p:extLst>
+      <p:ext uri="{BB962C8B-B14F-4D97-AF65-F5344CB8AC3E}">
+        <p14:creationId xmlns:p14="http://schemas.microsoft.com/office/powerpoint/2010/main" val="3060989975"/>
+      </p:ext>
+    </p:extLst>
+  </p:cSld>
+  <p:clrMapOvr>
+    <a:masterClrMapping/>
+  </p:clrMapOvr>
+</p:notes>
+</file>
+
 <file path=ppt/notesSlides/notesSlide2.xml><?xml version="1.0" encoding="utf-8"?>
 <p:notes xmlns:a="http://schemas.openxmlformats.org/drawingml/2006/main" xmlns:r="http://schemas.openxmlformats.org/officeDocument/2006/relationships" xmlns:p="http://schemas.openxmlformats.org/presentationml/2006/main">
   <p:cSld>
@@ -1193,8 +1282,13 @@
           <a:p>
             <a:r>
               <a:rPr lang="en-US" dirty="0"/>
-              <a:t>Here are some ways to tackle the problem (basically read off this slide). </a:t>
-            </a:r>
+              <a:t>Basically read off </a:t>
+            </a:r>
+            <a:r>
+              <a:rPr lang="en-US"/>
+              <a:t>this slide</a:t>
+            </a:r>
+            <a:endParaRPr lang="en-US" dirty="0"/>
           </a:p>
         </p:txBody>
       </p:sp>
@@ -1224,7 +1318,7 @@
     </p:spTree>
     <p:extLst>
       <p:ext uri="{BB962C8B-B14F-4D97-AF65-F5344CB8AC3E}">
-        <p14:creationId xmlns:p14="http://schemas.microsoft.com/office/powerpoint/2010/main" val="628542789"/>
+        <p14:creationId xmlns:p14="http://schemas.microsoft.com/office/powerpoint/2010/main" val="2178131692"/>
       </p:ext>
     </p:extLst>
   </p:cSld>
@@ -1280,7 +1374,7 @@
           <a:p>
             <a:r>
               <a:rPr lang="en-US" dirty="0"/>
-              <a:t>Here is how your team will be evaluated (basically read off the slide).</a:t>
+              <a:t>Here are some ways to tackle the problem (basically read off this slide). </a:t>
             </a:r>
           </a:p>
         </p:txBody>
@@ -1303,6 +1397,93 @@
             <a:fld id="{2B55E2ED-C8C4-40A1-8927-FAA740BD50E4}" type="slidenum">
               <a:rPr lang="en-US" smtClean="0"/>
               <a:t>9</a:t>
+            </a:fld>
+            <a:endParaRPr lang="en-US"/>
+          </a:p>
+        </p:txBody>
+      </p:sp>
+    </p:spTree>
+    <p:extLst>
+      <p:ext uri="{BB962C8B-B14F-4D97-AF65-F5344CB8AC3E}">
+        <p14:creationId xmlns:p14="http://schemas.microsoft.com/office/powerpoint/2010/main" val="628542789"/>
+      </p:ext>
+    </p:extLst>
+  </p:cSld>
+  <p:clrMapOvr>
+    <a:masterClrMapping/>
+  </p:clrMapOvr>
+</p:notes>
+</file>
+
+<file path=ppt/notesSlides/notesSlide9.xml><?xml version="1.0" encoding="utf-8"?>
+<p:notes xmlns:a="http://schemas.openxmlformats.org/drawingml/2006/main" xmlns:r="http://schemas.openxmlformats.org/officeDocument/2006/relationships" xmlns:p="http://schemas.openxmlformats.org/presentationml/2006/main">
+  <p:cSld>
+    <p:spTree>
+      <p:nvGrpSpPr>
+        <p:cNvPr id="1" name=""/>
+        <p:cNvGrpSpPr/>
+        <p:nvPr/>
+      </p:nvGrpSpPr>
+      <p:grpSpPr>
+        <a:xfrm>
+          <a:off x="0" y="0"/>
+          <a:ext cx="0" cy="0"/>
+          <a:chOff x="0" y="0"/>
+          <a:chExt cx="0" cy="0"/>
+        </a:xfrm>
+      </p:grpSpPr>
+      <p:sp>
+        <p:nvSpPr>
+          <p:cNvPr id="2" name="Slide Image Placeholder 1"/>
+          <p:cNvSpPr>
+            <a:spLocks noGrp="1" noRot="1" noChangeAspect="1"/>
+          </p:cNvSpPr>
+          <p:nvPr>
+            <p:ph type="sldImg"/>
+          </p:nvPr>
+        </p:nvSpPr>
+        <p:spPr/>
+      </p:sp>
+      <p:sp>
+        <p:nvSpPr>
+          <p:cNvPr id="3" name="Notes Placeholder 2"/>
+          <p:cNvSpPr>
+            <a:spLocks noGrp="1"/>
+          </p:cNvSpPr>
+          <p:nvPr>
+            <p:ph type="body" idx="1"/>
+          </p:nvPr>
+        </p:nvSpPr>
+        <p:spPr/>
+        <p:txBody>
+          <a:bodyPr/>
+          <a:lstStyle/>
+          <a:p>
+            <a:r>
+              <a:rPr lang="en-US" dirty="0"/>
+              <a:t>Here is how your team will be evaluated (basically read off the slide).</a:t>
+            </a:r>
+          </a:p>
+        </p:txBody>
+      </p:sp>
+      <p:sp>
+        <p:nvSpPr>
+          <p:cNvPr id="4" name="Slide Number Placeholder 3"/>
+          <p:cNvSpPr>
+            <a:spLocks noGrp="1"/>
+          </p:cNvSpPr>
+          <p:nvPr>
+            <p:ph type="sldNum" sz="quarter" idx="5"/>
+          </p:nvPr>
+        </p:nvSpPr>
+        <p:spPr/>
+        <p:txBody>
+          <a:bodyPr/>
+          <a:lstStyle/>
+          <a:p>
+            <a:fld id="{2B55E2ED-C8C4-40A1-8927-FAA740BD50E4}" type="slidenum">
+              <a:rPr lang="en-US" smtClean="0"/>
+              <a:t>10</a:t>
             </a:fld>
             <a:endParaRPr lang="en-US"/>
           </a:p>
@@ -4608,6 +4789,496 @@
 </p:sld>
 </file>
 
+<file path=ppt/slides/slide10.xml><?xml version="1.0" encoding="utf-8"?>
+<p:sld xmlns:a="http://schemas.openxmlformats.org/drawingml/2006/main" xmlns:r="http://schemas.openxmlformats.org/officeDocument/2006/relationships" xmlns:p="http://schemas.openxmlformats.org/presentationml/2006/main">
+  <p:cSld>
+    <p:spTree>
+      <p:nvGrpSpPr>
+        <p:cNvPr id="1" name=""/>
+        <p:cNvGrpSpPr/>
+        <p:nvPr/>
+      </p:nvGrpSpPr>
+      <p:grpSpPr>
+        <a:xfrm>
+          <a:off x="0" y="0"/>
+          <a:ext cx="0" cy="0"/>
+          <a:chOff x="0" y="0"/>
+          <a:chExt cx="0" cy="0"/>
+        </a:xfrm>
+      </p:grpSpPr>
+      <p:sp>
+        <p:nvSpPr>
+          <p:cNvPr id="2" name="Title 1">
+            <a:extLst>
+              <a:ext uri="{FF2B5EF4-FFF2-40B4-BE49-F238E27FC236}">
+                <a16:creationId xmlns:a16="http://schemas.microsoft.com/office/drawing/2014/main" id="{AFDBF751-48DB-4E9A-93D8-2AC018907742}"/>
+              </a:ext>
+            </a:extLst>
+          </p:cNvPr>
+          <p:cNvSpPr>
+            <a:spLocks noGrp="1"/>
+          </p:cNvSpPr>
+          <p:nvPr>
+            <p:ph type="title"/>
+          </p:nvPr>
+        </p:nvSpPr>
+        <p:spPr/>
+        <p:txBody>
+          <a:bodyPr/>
+          <a:lstStyle/>
+          <a:p>
+            <a:r>
+              <a:rPr lang="en-US" dirty="0"/>
+              <a:t>How will your team be evaluated?</a:t>
+            </a:r>
+          </a:p>
+        </p:txBody>
+      </p:sp>
+      <p:sp>
+        <p:nvSpPr>
+          <p:cNvPr id="3" name="Content Placeholder 2">
+            <a:extLst>
+              <a:ext uri="{FF2B5EF4-FFF2-40B4-BE49-F238E27FC236}">
+                <a16:creationId xmlns:a16="http://schemas.microsoft.com/office/drawing/2014/main" id="{EA4D3670-C82A-411E-BE42-C63738135A4E}"/>
+              </a:ext>
+            </a:extLst>
+          </p:cNvPr>
+          <p:cNvSpPr>
+            <a:spLocks noGrp="1"/>
+          </p:cNvSpPr>
+          <p:nvPr>
+            <p:ph idx="1"/>
+          </p:nvPr>
+        </p:nvSpPr>
+        <p:spPr>
+          <a:xfrm>
+            <a:off x="838199" y="1825625"/>
+            <a:ext cx="9813513" cy="4351338"/>
+          </a:xfrm>
+        </p:spPr>
+        <p:txBody>
+          <a:bodyPr>
+            <a:normAutofit/>
+          </a:bodyPr>
+          <a:lstStyle/>
+          <a:p>
+            <a:pPr marL="342900" marR="0" indent="-342900">
+              <a:lnSpc>
+                <a:spcPct val="107000"/>
+              </a:lnSpc>
+              <a:spcBef>
+                <a:spcPts val="0"/>
+              </a:spcBef>
+              <a:spcAft>
+                <a:spcPts val="0"/>
+              </a:spcAft>
+              <a:buAutoNum type="arabicPeriod"/>
+            </a:pPr>
+            <a:r>
+              <a:rPr lang="en-US" sz="1800" b="1" dirty="0">
+                <a:effectLst/>
+                <a:latin typeface="Avenir Next LT Pro" panose="020B0504020202020204" pitchFamily="34" charset="0"/>
+                <a:ea typeface="Calibri" panose="020F0502020204030204" pitchFamily="34" charset="0"/>
+                <a:cs typeface="Fira Code Light" panose="020B0809050000020004" pitchFamily="49" charset="0"/>
+              </a:rPr>
+              <a:t>Creativity:</a:t>
+            </a:r>
+            <a:r>
+              <a:rPr lang="en-US" sz="1800" dirty="0">
+                <a:effectLst/>
+                <a:latin typeface="Avenir Next LT Pro" panose="020B0504020202020204" pitchFamily="34" charset="0"/>
+                <a:ea typeface="Calibri" panose="020F0502020204030204" pitchFamily="34" charset="0"/>
+                <a:cs typeface="Fira Code Light" panose="020B0809050000020004" pitchFamily="49" charset="0"/>
+              </a:rPr>
+              <a:t> How novel are your ideas? Is your submission exciting?</a:t>
+            </a:r>
+          </a:p>
+          <a:p>
+            <a:pPr marL="0" marR="0" indent="0">
+              <a:lnSpc>
+                <a:spcPct val="107000"/>
+              </a:lnSpc>
+              <a:spcBef>
+                <a:spcPts val="0"/>
+              </a:spcBef>
+              <a:spcAft>
+                <a:spcPts val="0"/>
+              </a:spcAft>
+              <a:buNone/>
+            </a:pPr>
+            <a:r>
+              <a:rPr lang="en-US" sz="1800" dirty="0">
+                <a:latin typeface="Avenir Next LT Pro" panose="020B0504020202020204" pitchFamily="34" charset="0"/>
+                <a:ea typeface="Calibri" panose="020F0502020204030204" pitchFamily="34" charset="0"/>
+                <a:cs typeface="Fira Code Light" panose="020B0809050000020004" pitchFamily="49" charset="0"/>
+              </a:rPr>
+              <a:t>Judges will be looking for how unique your ideas are compared to other teams/what is widely available on the internet.</a:t>
+            </a:r>
+          </a:p>
+          <a:p>
+            <a:pPr marL="0" marR="0" indent="0">
+              <a:lnSpc>
+                <a:spcPct val="107000"/>
+              </a:lnSpc>
+              <a:spcBef>
+                <a:spcPts val="0"/>
+              </a:spcBef>
+              <a:spcAft>
+                <a:spcPts val="0"/>
+              </a:spcAft>
+              <a:buNone/>
+            </a:pPr>
+            <a:endParaRPr lang="en-US" sz="1800" dirty="0">
+              <a:effectLst/>
+              <a:latin typeface="Calibri" panose="020F0502020204030204" pitchFamily="34" charset="0"/>
+              <a:ea typeface="Calibri" panose="020F0502020204030204" pitchFamily="34" charset="0"/>
+              <a:cs typeface="Times New Roman" panose="02020603050405020304" pitchFamily="18" charset="0"/>
+            </a:endParaRPr>
+          </a:p>
+          <a:p>
+            <a:pPr marL="0" marR="0" indent="0">
+              <a:lnSpc>
+                <a:spcPct val="107000"/>
+              </a:lnSpc>
+              <a:spcBef>
+                <a:spcPts val="0"/>
+              </a:spcBef>
+              <a:spcAft>
+                <a:spcPts val="0"/>
+              </a:spcAft>
+              <a:buNone/>
+            </a:pPr>
+            <a:r>
+              <a:rPr lang="en-US" sz="1800" b="1" dirty="0">
+                <a:effectLst/>
+                <a:latin typeface="Avenir Next LT Pro" panose="020B0504020202020204" pitchFamily="34" charset="0"/>
+                <a:ea typeface="Calibri" panose="020F0502020204030204" pitchFamily="34" charset="0"/>
+                <a:cs typeface="Fira Code Light" panose="020B0809050000020004" pitchFamily="49" charset="0"/>
+              </a:rPr>
+              <a:t>2. Technical Mastery:</a:t>
+            </a:r>
+            <a:r>
+              <a:rPr lang="en-US" sz="1800" dirty="0">
+                <a:effectLst/>
+                <a:latin typeface="Avenir Next LT Pro" panose="020B0504020202020204" pitchFamily="34" charset="0"/>
+                <a:ea typeface="Calibri" panose="020F0502020204030204" pitchFamily="34" charset="0"/>
+                <a:cs typeface="Fira Code Light" panose="020B0809050000020004" pitchFamily="49" charset="0"/>
+              </a:rPr>
+              <a:t> Is your proposal technically correct? Did you use any interesting technologies?</a:t>
+            </a:r>
+          </a:p>
+          <a:p>
+            <a:pPr marL="0" marR="0" indent="0">
+              <a:lnSpc>
+                <a:spcPct val="107000"/>
+              </a:lnSpc>
+              <a:spcBef>
+                <a:spcPts val="0"/>
+              </a:spcBef>
+              <a:spcAft>
+                <a:spcPts val="0"/>
+              </a:spcAft>
+              <a:buNone/>
+            </a:pPr>
+            <a:r>
+              <a:rPr lang="en-US" sz="1800" dirty="0">
+                <a:latin typeface="Avenir Next LT Pro" panose="020B0504020202020204" pitchFamily="34" charset="0"/>
+                <a:ea typeface="Calibri" panose="020F0502020204030204" pitchFamily="34" charset="0"/>
+                <a:cs typeface="Fira Code Light" panose="020B0809050000020004" pitchFamily="49" charset="0"/>
+              </a:rPr>
+              <a:t>Judges will be looking for technical correctness (no technical mistakes, how interesting is the problem approach and solution, is your presentation unique).</a:t>
+            </a:r>
+          </a:p>
+          <a:p>
+            <a:pPr marL="0" marR="0" indent="0">
+              <a:lnSpc>
+                <a:spcPct val="107000"/>
+              </a:lnSpc>
+              <a:spcBef>
+                <a:spcPts val="0"/>
+              </a:spcBef>
+              <a:spcAft>
+                <a:spcPts val="0"/>
+              </a:spcAft>
+              <a:buNone/>
+            </a:pPr>
+            <a:endParaRPr lang="en-US" sz="1800" dirty="0">
+              <a:effectLst/>
+              <a:latin typeface="Calibri" panose="020F0502020204030204" pitchFamily="34" charset="0"/>
+              <a:ea typeface="Calibri" panose="020F0502020204030204" pitchFamily="34" charset="0"/>
+              <a:cs typeface="Times New Roman" panose="02020603050405020304" pitchFamily="18" charset="0"/>
+            </a:endParaRPr>
+          </a:p>
+          <a:p>
+            <a:pPr marL="0" marR="0" indent="0">
+              <a:lnSpc>
+                <a:spcPct val="107000"/>
+              </a:lnSpc>
+              <a:spcBef>
+                <a:spcPts val="0"/>
+              </a:spcBef>
+              <a:spcAft>
+                <a:spcPts val="0"/>
+              </a:spcAft>
+              <a:buNone/>
+            </a:pPr>
+            <a:r>
+              <a:rPr lang="en-US" sz="1800" b="1" dirty="0">
+                <a:effectLst/>
+                <a:latin typeface="Avenir Next LT Pro" panose="020B0504020202020204" pitchFamily="34" charset="0"/>
+                <a:ea typeface="Calibri" panose="020F0502020204030204" pitchFamily="34" charset="0"/>
+                <a:cs typeface="Fira Code Light" panose="020B0809050000020004" pitchFamily="49" charset="0"/>
+              </a:rPr>
+              <a:t>3. Quality:</a:t>
+            </a:r>
+            <a:r>
+              <a:rPr lang="en-US" sz="1800" dirty="0">
+                <a:effectLst/>
+                <a:latin typeface="Avenir Next LT Pro" panose="020B0504020202020204" pitchFamily="34" charset="0"/>
+                <a:ea typeface="Calibri" panose="020F0502020204030204" pitchFamily="34" charset="0"/>
+                <a:cs typeface="Fira Code Light" panose="020B0809050000020004" pitchFamily="49" charset="0"/>
+              </a:rPr>
+              <a:t> How effective is your presentation? How polished is your code? How</a:t>
+            </a:r>
+            <a:endParaRPr lang="en-US" sz="1800" dirty="0">
+              <a:effectLst/>
+              <a:latin typeface="Calibri" panose="020F0502020204030204" pitchFamily="34" charset="0"/>
+              <a:ea typeface="Calibri" panose="020F0502020204030204" pitchFamily="34" charset="0"/>
+              <a:cs typeface="Times New Roman" panose="02020603050405020304" pitchFamily="18" charset="0"/>
+            </a:endParaRPr>
+          </a:p>
+          <a:p>
+            <a:pPr marL="0" marR="0" indent="0">
+              <a:lnSpc>
+                <a:spcPct val="107000"/>
+              </a:lnSpc>
+              <a:spcBef>
+                <a:spcPts val="0"/>
+              </a:spcBef>
+              <a:spcAft>
+                <a:spcPts val="0"/>
+              </a:spcAft>
+              <a:buNone/>
+            </a:pPr>
+            <a:r>
+              <a:rPr lang="en-US" sz="1800" dirty="0">
+                <a:effectLst/>
+                <a:latin typeface="Avenir Next LT Pro" panose="020B0504020202020204" pitchFamily="34" charset="0"/>
+                <a:ea typeface="Calibri" panose="020F0502020204030204" pitchFamily="34" charset="0"/>
+                <a:cs typeface="Fira Code Light" panose="020B0809050000020004" pitchFamily="49" charset="0"/>
+              </a:rPr>
+              <a:t>well can you sell your idea?</a:t>
+            </a:r>
+          </a:p>
+          <a:p>
+            <a:pPr marL="0" marR="0" indent="0">
+              <a:lnSpc>
+                <a:spcPct val="107000"/>
+              </a:lnSpc>
+              <a:spcBef>
+                <a:spcPts val="0"/>
+              </a:spcBef>
+              <a:spcAft>
+                <a:spcPts val="0"/>
+              </a:spcAft>
+              <a:buNone/>
+            </a:pPr>
+            <a:r>
+              <a:rPr lang="en-US" sz="1800" dirty="0">
+                <a:latin typeface="Avenir Next LT Pro" panose="020B0504020202020204" pitchFamily="34" charset="0"/>
+                <a:ea typeface="Calibri" panose="020F0502020204030204" pitchFamily="34" charset="0"/>
+                <a:cs typeface="Fira Code Light" panose="020B0809050000020004" pitchFamily="49" charset="0"/>
+              </a:rPr>
+              <a:t>Judges will be looking for overall quality in terms of code, presentation, and pitch</a:t>
+            </a:r>
+          </a:p>
+          <a:p>
+            <a:pPr marL="0" marR="0" indent="0">
+              <a:lnSpc>
+                <a:spcPct val="107000"/>
+              </a:lnSpc>
+              <a:spcBef>
+                <a:spcPts val="0"/>
+              </a:spcBef>
+              <a:spcAft>
+                <a:spcPts val="0"/>
+              </a:spcAft>
+              <a:buNone/>
+            </a:pPr>
+            <a:endParaRPr lang="en-US" sz="1800" dirty="0">
+              <a:effectLst/>
+              <a:latin typeface="Avenir Next LT Pro" panose="020B0504020202020204" pitchFamily="34" charset="0"/>
+              <a:ea typeface="Calibri" panose="020F0502020204030204" pitchFamily="34" charset="0"/>
+              <a:cs typeface="Fira Code Light" panose="020B0809050000020004" pitchFamily="49" charset="0"/>
+            </a:endParaRPr>
+          </a:p>
+          <a:p>
+            <a:pPr marL="0" marR="0" indent="0">
+              <a:lnSpc>
+                <a:spcPct val="107000"/>
+              </a:lnSpc>
+              <a:spcBef>
+                <a:spcPts val="0"/>
+              </a:spcBef>
+              <a:spcAft>
+                <a:spcPts val="0"/>
+              </a:spcAft>
+              <a:buNone/>
+            </a:pPr>
+            <a:r>
+              <a:rPr lang="en-US" sz="1800" dirty="0">
+                <a:latin typeface="Avenir Next LT Pro" panose="020B0504020202020204" pitchFamily="34" charset="0"/>
+                <a:ea typeface="Calibri" panose="020F0502020204030204" pitchFamily="34" charset="0"/>
+                <a:cs typeface="Fira Code Light" panose="020B0809050000020004" pitchFamily="49" charset="0"/>
+              </a:rPr>
+              <a:t>Each category is weighted equally by the judges 1/3</a:t>
+            </a:r>
+            <a:endParaRPr lang="en-US" sz="1800" dirty="0">
+              <a:effectLst/>
+              <a:latin typeface="Calibri" panose="020F0502020204030204" pitchFamily="34" charset="0"/>
+              <a:ea typeface="Calibri" panose="020F0502020204030204" pitchFamily="34" charset="0"/>
+              <a:cs typeface="Times New Roman" panose="02020603050405020304" pitchFamily="18" charset="0"/>
+            </a:endParaRPr>
+          </a:p>
+        </p:txBody>
+      </p:sp>
+    </p:spTree>
+    <p:extLst>
+      <p:ext uri="{BB962C8B-B14F-4D97-AF65-F5344CB8AC3E}">
+        <p14:creationId xmlns:p14="http://schemas.microsoft.com/office/powerpoint/2010/main" val="1299948151"/>
+      </p:ext>
+    </p:extLst>
+  </p:cSld>
+  <p:clrMapOvr>
+    <a:masterClrMapping/>
+  </p:clrMapOvr>
+</p:sld>
+</file>
+
+<file path=ppt/slides/slide11.xml><?xml version="1.0" encoding="utf-8"?>
+<p:sld xmlns:a="http://schemas.openxmlformats.org/drawingml/2006/main" xmlns:r="http://schemas.openxmlformats.org/officeDocument/2006/relationships" xmlns:p="http://schemas.openxmlformats.org/presentationml/2006/main">
+  <p:cSld>
+    <p:spTree>
+      <p:nvGrpSpPr>
+        <p:cNvPr id="1" name=""/>
+        <p:cNvGrpSpPr/>
+        <p:nvPr/>
+      </p:nvGrpSpPr>
+      <p:grpSpPr>
+        <a:xfrm>
+          <a:off x="0" y="0"/>
+          <a:ext cx="0" cy="0"/>
+          <a:chOff x="0" y="0"/>
+          <a:chExt cx="0" cy="0"/>
+        </a:xfrm>
+      </p:grpSpPr>
+      <p:sp>
+        <p:nvSpPr>
+          <p:cNvPr id="2" name="Title 1">
+            <a:extLst>
+              <a:ext uri="{FF2B5EF4-FFF2-40B4-BE49-F238E27FC236}">
+                <a16:creationId xmlns:a16="http://schemas.microsoft.com/office/drawing/2014/main" id="{AFDBF751-48DB-4E9A-93D8-2AC018907742}"/>
+              </a:ext>
+            </a:extLst>
+          </p:cNvPr>
+          <p:cNvSpPr>
+            <a:spLocks noGrp="1"/>
+          </p:cNvSpPr>
+          <p:nvPr>
+            <p:ph type="title"/>
+          </p:nvPr>
+        </p:nvSpPr>
+        <p:spPr/>
+        <p:txBody>
+          <a:bodyPr/>
+          <a:lstStyle/>
+          <a:p>
+            <a:r>
+              <a:rPr lang="en-US" dirty="0"/>
+              <a:t>Any questions?</a:t>
+            </a:r>
+          </a:p>
+        </p:txBody>
+      </p:sp>
+      <p:sp>
+        <p:nvSpPr>
+          <p:cNvPr id="3" name="Content Placeholder 2">
+            <a:extLst>
+              <a:ext uri="{FF2B5EF4-FFF2-40B4-BE49-F238E27FC236}">
+                <a16:creationId xmlns:a16="http://schemas.microsoft.com/office/drawing/2014/main" id="{EA4D3670-C82A-411E-BE42-C63738135A4E}"/>
+              </a:ext>
+            </a:extLst>
+          </p:cNvPr>
+          <p:cNvSpPr>
+            <a:spLocks noGrp="1"/>
+          </p:cNvSpPr>
+          <p:nvPr>
+            <p:ph idx="1"/>
+          </p:nvPr>
+        </p:nvSpPr>
+        <p:spPr>
+          <a:xfrm>
+            <a:off x="838199" y="1825625"/>
+            <a:ext cx="9813513" cy="4351338"/>
+          </a:xfrm>
+        </p:spPr>
+        <p:txBody>
+          <a:bodyPr>
+            <a:normAutofit/>
+          </a:bodyPr>
+          <a:lstStyle/>
+          <a:p>
+            <a:pPr marL="0" marR="0" indent="0">
+              <a:lnSpc>
+                <a:spcPct val="107000"/>
+              </a:lnSpc>
+              <a:spcBef>
+                <a:spcPts val="0"/>
+              </a:spcBef>
+              <a:spcAft>
+                <a:spcPts val="0"/>
+              </a:spcAft>
+              <a:buNone/>
+            </a:pPr>
+            <a:r>
+              <a:rPr lang="en-US" dirty="0">
+                <a:effectLst/>
+                <a:latin typeface="Calibri" panose="020F0502020204030204" pitchFamily="34" charset="0"/>
+                <a:ea typeface="Calibri" panose="020F0502020204030204" pitchFamily="34" charset="0"/>
+                <a:cs typeface="Times New Roman" panose="02020603050405020304" pitchFamily="18" charset="0"/>
+              </a:rPr>
+              <a:t>Feel free to ask now, or mentors will </a:t>
+            </a:r>
+            <a:r>
+              <a:rPr lang="en-US" dirty="0">
+                <a:latin typeface="Calibri" panose="020F0502020204030204" pitchFamily="34" charset="0"/>
+                <a:ea typeface="Calibri" panose="020F0502020204030204" pitchFamily="34" charset="0"/>
+                <a:cs typeface="Times New Roman" panose="02020603050405020304" pitchFamily="18" charset="0"/>
+              </a:rPr>
+              <a:t>be available throughout the day to answer your questions about the dataset or how to approach the problem!</a:t>
+            </a:r>
+            <a:endParaRPr lang="en-US" dirty="0">
+              <a:effectLst/>
+              <a:latin typeface="Calibri" panose="020F0502020204030204" pitchFamily="34" charset="0"/>
+              <a:ea typeface="Calibri" panose="020F0502020204030204" pitchFamily="34" charset="0"/>
+              <a:cs typeface="Times New Roman" panose="02020603050405020304" pitchFamily="18" charset="0"/>
+            </a:endParaRPr>
+          </a:p>
+        </p:txBody>
+      </p:sp>
+    </p:spTree>
+    <p:extLst>
+      <p:ext uri="{BB962C8B-B14F-4D97-AF65-F5344CB8AC3E}">
+        <p14:creationId xmlns:p14="http://schemas.microsoft.com/office/powerpoint/2010/main" val="2815860358"/>
+      </p:ext>
+    </p:extLst>
+  </p:cSld>
+  <p:clrMapOvr>
+    <a:masterClrMapping/>
+  </p:clrMapOvr>
+</p:sld>
+</file>
+
 <file path=ppt/slides/slide2.xml><?xml version="1.0" encoding="utf-8"?>
 <p:sld xmlns:a="http://schemas.openxmlformats.org/drawingml/2006/main" xmlns:r="http://schemas.openxmlformats.org/officeDocument/2006/relationships" xmlns:p="http://schemas.openxmlformats.org/presentationml/2006/main">
   <p:cSld>
@@ -4919,7 +5590,7 @@
             </a:pPr>
             <a:r>
               <a:rPr lang="en-US" dirty="0"/>
-              <a:t>Based on this claim, your job is to determine whether your company should </a:t>
+              <a:t>As a data scientist in private equity, your job is to determine whether your firm should </a:t>
             </a:r>
             <a:r>
               <a:rPr lang="en-US" b="1" dirty="0"/>
@@ -5965,7 +6636,7 @@
           <a:p>
             <a:r>
               <a:rPr lang="en-US" dirty="0"/>
-              <a:t>Ways your team could tackle the problem</a:t>
+              <a:t>A/B test specifics</a:t>
             </a:r>
           </a:p>
         </p:txBody>
@@ -5998,181 +6669,93 @@
           </a:bodyPr>
           <a:lstStyle/>
           <a:p>
-            <a:pPr marL="342900" marR="0" lvl="0" indent="-342900">
-              <a:lnSpc>
-                <a:spcPct val="107000"/>
-              </a:lnSpc>
-              <a:spcBef>
-                <a:spcPts val="0"/>
-              </a:spcBef>
-              <a:spcAft>
-                <a:spcPts val="0"/>
-              </a:spcAft>
-              <a:buFont typeface="Symbol" panose="05050102010706020507" pitchFamily="18" charset="2"/>
-              <a:buChar char=""/>
+            <a:pPr marL="0" indent="0">
+              <a:buNone/>
             </a:pPr>
             <a:r>
-              <a:rPr lang="en-US" dirty="0">
-                <a:effectLst/>
-                <a:latin typeface="+mj-lt"/>
-                <a:ea typeface="Calibri" panose="020F0502020204030204" pitchFamily="34" charset="0"/>
-                <a:cs typeface="Fira Code Light" panose="020B0809050000020004" pitchFamily="49" charset="0"/>
-              </a:rPr>
-              <a:t>Using natural language processing (NLP) to measure/quantify clickbait (</a:t>
-            </a:r>
-            <a:r>
-              <a:rPr lang="en-US" i="1" dirty="0">
-                <a:latin typeface="+mj-lt"/>
-                <a:ea typeface="Calibri" panose="020F0502020204030204" pitchFamily="34" charset="0"/>
-                <a:cs typeface="Fira Code Light" panose="020B0809050000020004" pitchFamily="49" charset="0"/>
-              </a:rPr>
-              <a:t>using ML to predict clickbait based on text)</a:t>
-            </a:r>
-            <a:endParaRPr lang="en-US" dirty="0">
-              <a:effectLst/>
-              <a:latin typeface="+mj-lt"/>
-              <a:ea typeface="Calibri" panose="020F0502020204030204" pitchFamily="34" charset="0"/>
-              <a:cs typeface="Times New Roman" panose="02020603050405020304" pitchFamily="18" charset="0"/>
-            </a:endParaRPr>
-          </a:p>
-          <a:p>
-            <a:pPr marL="342900" marR="0" lvl="0" indent="-342900">
-              <a:lnSpc>
-                <a:spcPct val="107000"/>
-              </a:lnSpc>
-              <a:spcBef>
-                <a:spcPts val="0"/>
-              </a:spcBef>
-              <a:spcAft>
-                <a:spcPts val="0"/>
-              </a:spcAft>
-              <a:buFont typeface="Symbol" panose="05050102010706020507" pitchFamily="18" charset="2"/>
-              <a:buChar char=""/>
+              <a:rPr lang="en-US" dirty="0" err="1"/>
+              <a:t>ab_test_id</a:t>
+            </a:r>
+            <a:r>
+              <a:rPr lang="en-US" dirty="0"/>
+              <a:t> represents an A/B test for a specific article</a:t>
+            </a:r>
+          </a:p>
+          <a:p>
+            <a:r>
+              <a:rPr lang="en-US" dirty="0"/>
+              <a:t>For each A/B test, a user sees one of many potential packages</a:t>
+            </a:r>
+          </a:p>
+          <a:p>
+            <a:r>
+              <a:rPr lang="en-US" dirty="0"/>
+              <a:t>Also for each A/B test, only the </a:t>
+            </a:r>
+            <a:r>
+              <a:rPr lang="en-US" b="1" dirty="0"/>
+              <a:t>article headline </a:t>
+            </a:r>
+            <a:r>
+              <a:rPr lang="en-US" dirty="0"/>
+              <a:t>and </a:t>
+            </a:r>
+            <a:r>
+              <a:rPr lang="en-US" b="1" dirty="0"/>
+              <a:t>article image </a:t>
+            </a:r>
+            <a:r>
+              <a:rPr lang="en-US" dirty="0"/>
+              <a:t>vary. Everything else about the article </a:t>
+            </a:r>
+            <a:r>
+              <a:rPr lang="en-US" b="1" dirty="0"/>
+              <a:t>stays constant</a:t>
+            </a:r>
+            <a:r>
+              <a:rPr lang="en-US" dirty="0"/>
+              <a:t> across packages.</a:t>
+            </a:r>
+          </a:p>
+          <a:p>
+            <a:r>
+              <a:rPr lang="en-US" dirty="0"/>
+              <a:t>The Upworthy editor may or may not select the best-performing package</a:t>
+            </a:r>
+          </a:p>
+          <a:p>
+            <a:r>
+              <a:rPr lang="en-US" dirty="0"/>
+              <a:t>At the end of each A/B test, Upworthy measures clicks and exposures for each package to calculate how successful the package was. Then, Upworthy determines a winner.</a:t>
+            </a:r>
+          </a:p>
+          <a:p>
+            <a:endParaRPr lang="en-US" dirty="0"/>
+          </a:p>
+          <a:p>
+            <a:pPr marL="0" indent="0">
+              <a:buNone/>
             </a:pPr>
-            <a:r>
-              <a:rPr lang="en-US" dirty="0">
-                <a:effectLst/>
-                <a:latin typeface="+mj-lt"/>
-                <a:ea typeface="Calibri" panose="020F0502020204030204" pitchFamily="34" charset="0"/>
-                <a:cs typeface="Fira Code Light" panose="020B0809050000020004" pitchFamily="49" charset="0"/>
-              </a:rPr>
-              <a:t>Using time-series tools to analyze website characteristics before/after Upworthy’s no-clickbait pledge </a:t>
-            </a:r>
-            <a:r>
-              <a:rPr lang="en-US" dirty="0">
-                <a:latin typeface="+mj-lt"/>
-                <a:ea typeface="Calibri" panose="020F0502020204030204" pitchFamily="34" charset="0"/>
-                <a:cs typeface="Fira Code Light" panose="020B0809050000020004" pitchFamily="49" charset="0"/>
-              </a:rPr>
-              <a:t>(</a:t>
-            </a:r>
-            <a:r>
-              <a:rPr lang="en-US" i="1" dirty="0">
-                <a:latin typeface="+mj-lt"/>
-                <a:ea typeface="Calibri" panose="020F0502020204030204" pitchFamily="34" charset="0"/>
-                <a:cs typeface="Fira Code Light" panose="020B0809050000020004" pitchFamily="49" charset="0"/>
-              </a:rPr>
-              <a:t>analyzing the time-series characteristics of upworthy.com before and after they made a no-clickbait pledge</a:t>
-            </a:r>
-            <a:r>
-              <a:rPr lang="en-US" dirty="0">
-                <a:latin typeface="+mj-lt"/>
-                <a:ea typeface="Calibri" panose="020F0502020204030204" pitchFamily="34" charset="0"/>
-                <a:cs typeface="Fira Code Light" panose="020B0809050000020004" pitchFamily="49" charset="0"/>
-              </a:rPr>
-              <a:t>).</a:t>
-            </a:r>
-            <a:endParaRPr lang="en-US" dirty="0">
-              <a:effectLst/>
-              <a:latin typeface="+mj-lt"/>
-              <a:ea typeface="Calibri" panose="020F0502020204030204" pitchFamily="34" charset="0"/>
-              <a:cs typeface="Times New Roman" panose="02020603050405020304" pitchFamily="18" charset="0"/>
-            </a:endParaRPr>
-          </a:p>
-          <a:p>
-            <a:pPr marL="342900" marR="0" lvl="0" indent="-342900">
-              <a:lnSpc>
-                <a:spcPct val="107000"/>
-              </a:lnSpc>
-              <a:spcBef>
-                <a:spcPts val="0"/>
-              </a:spcBef>
-              <a:spcAft>
-                <a:spcPts val="0"/>
-              </a:spcAft>
-              <a:buFont typeface="Symbol" panose="05050102010706020507" pitchFamily="18" charset="2"/>
-              <a:buChar char=""/>
+            <a:endParaRPr lang="en-US" dirty="0"/>
+          </a:p>
+          <a:p>
+            <a:pPr marL="0" indent="0">
+              <a:buNone/>
             </a:pPr>
-            <a:r>
-              <a:rPr lang="en-US" dirty="0">
-                <a:effectLst/>
-                <a:latin typeface="+mj-lt"/>
-                <a:ea typeface="Calibri" panose="020F0502020204030204" pitchFamily="34" charset="0"/>
-                <a:cs typeface="Fira Code Light" panose="020B0809050000020004" pitchFamily="49" charset="0"/>
-              </a:rPr>
-              <a:t>Analyzing impact in terms of financial/growth/ethical implications (</a:t>
-            </a:r>
-            <a:r>
-              <a:rPr lang="en-US" i="1" dirty="0">
-                <a:effectLst/>
-                <a:latin typeface="+mj-lt"/>
-                <a:ea typeface="Calibri" panose="020F0502020204030204" pitchFamily="34" charset="0"/>
-                <a:cs typeface="Fira Code Light" panose="020B0809050000020004" pitchFamily="49" charset="0"/>
-              </a:rPr>
-              <a:t>understanding + assess their future business plan</a:t>
-            </a:r>
-            <a:r>
-              <a:rPr lang="en-US" dirty="0">
-                <a:effectLst/>
-                <a:latin typeface="+mj-lt"/>
-                <a:ea typeface="Calibri" panose="020F0502020204030204" pitchFamily="34" charset="0"/>
-                <a:cs typeface="Fira Code Light" panose="020B0809050000020004" pitchFamily="49" charset="0"/>
-              </a:rPr>
-              <a:t>)</a:t>
-            </a:r>
-            <a:endParaRPr lang="en-US" dirty="0">
-              <a:effectLst/>
-              <a:latin typeface="+mj-lt"/>
-              <a:ea typeface="Calibri" panose="020F0502020204030204" pitchFamily="34" charset="0"/>
-              <a:cs typeface="Times New Roman" panose="02020603050405020304" pitchFamily="18" charset="0"/>
-            </a:endParaRPr>
-          </a:p>
-          <a:p>
-            <a:pPr marL="342900" marR="0" lvl="0" indent="-342900">
-              <a:lnSpc>
-                <a:spcPct val="107000"/>
-              </a:lnSpc>
-              <a:spcBef>
-                <a:spcPts val="0"/>
-              </a:spcBef>
-              <a:spcAft>
-                <a:spcPts val="800"/>
-              </a:spcAft>
-              <a:buFont typeface="Symbol" panose="05050102010706020507" pitchFamily="18" charset="2"/>
-              <a:buChar char=""/>
+            <a:endParaRPr lang="en-US" dirty="0"/>
+          </a:p>
+          <a:p>
+            <a:pPr marL="0" indent="0">
+              <a:buNone/>
             </a:pPr>
-            <a:r>
-              <a:rPr lang="en-US" dirty="0">
-                <a:effectLst/>
-                <a:latin typeface="+mj-lt"/>
-                <a:ea typeface="Calibri" panose="020F0502020204030204" pitchFamily="34" charset="0"/>
-                <a:cs typeface="Fira Code Light" panose="020B0809050000020004" pitchFamily="49" charset="0"/>
-              </a:rPr>
-              <a:t>Building a compelling dashboard/visualization in the context of the key question</a:t>
-            </a:r>
-            <a:endParaRPr lang="en-US" dirty="0">
-              <a:effectLst/>
-              <a:latin typeface="+mj-lt"/>
-              <a:ea typeface="Calibri" panose="020F0502020204030204" pitchFamily="34" charset="0"/>
-              <a:cs typeface="Times New Roman" panose="02020603050405020304" pitchFamily="18" charset="0"/>
-            </a:endParaRPr>
+            <a:endParaRPr lang="en-US" dirty="0"/>
           </a:p>
         </p:txBody>
       </p:sp>
     </p:spTree>
     <p:extLst>
       <p:ext uri="{BB962C8B-B14F-4D97-AF65-F5344CB8AC3E}">
-        <p14:creationId xmlns:p14="http://schemas.microsoft.com/office/powerpoint/2010/main" val="1134670661"/>
+        <p14:creationId xmlns:p14="http://schemas.microsoft.com/office/powerpoint/2010/main" val="1648683803"/>
       </p:ext>
     </p:extLst>
   </p:cSld>
@@ -6222,7 +6805,7 @@
           <a:p>
             <a:r>
               <a:rPr lang="en-US" dirty="0"/>
-              <a:t>How will your team be evaluated?</a:t>
+              <a:t>Ways your team could tackle the problem</a:t>
             </a:r>
           </a:p>
         </p:txBody>
@@ -6251,11 +6834,11 @@
         </p:spPr>
         <p:txBody>
           <a:bodyPr>
-            <a:normAutofit/>
+            <a:normAutofit lnSpcReduction="10000"/>
           </a:bodyPr>
           <a:lstStyle/>
           <a:p>
-            <a:pPr marL="342900" marR="0" indent="-342900">
+            <a:pPr marL="342900" marR="0" lvl="0" indent="-342900">
               <a:lnSpc>
                 <a:spcPct val="107000"/>
               </a:lnSpc>
@@ -6265,29 +6848,35 @@
               <a:spcAft>
                 <a:spcPts val="0"/>
               </a:spcAft>
-              <a:buAutoNum type="arabicPeriod"/>
+              <a:buFont typeface="Symbol" panose="05050102010706020507" pitchFamily="18" charset="2"/>
+              <a:buChar char=""/>
             </a:pPr>
             <a:r>
-              <a:rPr lang="en-US" sz="1800" b="1" dirty="0">
+              <a:rPr lang="en-US" dirty="0">
                 <a:effectLst/>
-                <a:latin typeface="Avenir Next LT Pro" panose="020B0504020202020204" pitchFamily="34" charset="0"/>
+                <a:latin typeface="+mj-lt"/>
                 <a:ea typeface="Calibri" panose="020F0502020204030204" pitchFamily="34" charset="0"/>
                 <a:cs typeface="Fira Code Light" panose="020B0809050000020004" pitchFamily="49" charset="0"/>
               </a:rPr>
-              <a:t>Creativity:</a:t>
-            </a:r>
-            <a:r>
-              <a:rPr lang="en-US" sz="1800" dirty="0">
-                <a:effectLst/>
-                <a:latin typeface="Avenir Next LT Pro" panose="020B0504020202020204" pitchFamily="34" charset="0"/>
+              <a:t>Using natural language processing (NLP) to measure/quantify clickbait (</a:t>
+            </a:r>
+            <a:r>
+              <a:rPr lang="en-US" i="1" dirty="0">
+                <a:latin typeface="+mj-lt"/>
                 <a:ea typeface="Calibri" panose="020F0502020204030204" pitchFamily="34" charset="0"/>
                 <a:cs typeface="Fira Code Light" panose="020B0809050000020004" pitchFamily="49" charset="0"/>
               </a:rPr>
-              <a:t> How novel are your ideas? Is your submission exciting?</a:t>
-            </a:r>
-          </a:p>
-          <a:p>
-            <a:pPr marL="0" marR="0" indent="0">
+              <a:t>using ML to predict clickbait based on text)</a:t>
+            </a:r>
+            <a:endParaRPr lang="en-US" dirty="0">
+              <a:effectLst/>
+              <a:latin typeface="+mj-lt"/>
+              <a:ea typeface="Calibri" panose="020F0502020204030204" pitchFamily="34" charset="0"/>
+              <a:cs typeface="Times New Roman" panose="02020603050405020304" pitchFamily="18" charset="0"/>
+            </a:endParaRPr>
+          </a:p>
+          <a:p>
+            <a:pPr marL="342900" marR="0" lvl="0" indent="-342900">
               <a:lnSpc>
                 <a:spcPct val="107000"/>
               </a:lnSpc>
@@ -6297,19 +6886,51 @@
               <a:spcAft>
                 <a:spcPts val="0"/>
               </a:spcAft>
-              <a:buNone/>
+              <a:buFont typeface="Symbol" panose="05050102010706020507" pitchFamily="18" charset="2"/>
+              <a:buChar char=""/>
             </a:pPr>
             <a:r>
-              <a:rPr lang="en-US" sz="1800" dirty="0">
-                <a:latin typeface="Avenir Next LT Pro" panose="020B0504020202020204" pitchFamily="34" charset="0"/>
+              <a:rPr lang="en-US" dirty="0">
+                <a:effectLst/>
+                <a:latin typeface="+mj-lt"/>
                 <a:ea typeface="Calibri" panose="020F0502020204030204" pitchFamily="34" charset="0"/>
                 <a:cs typeface="Fira Code Light" panose="020B0809050000020004" pitchFamily="49" charset="0"/>
               </a:rPr>
-              <a:t>Judges will be looking for how unique your ideas are compared to other teams/what is widely available on the internet.</a:t>
-            </a:r>
-          </a:p>
-          <a:p>
-            <a:pPr marL="0" marR="0" indent="0">
+              <a:t>Using time-series tools to analyze website characteristics before/after Upworthy’s no-clickbait pledge </a:t>
+            </a:r>
+            <a:r>
+              <a:rPr lang="en-US" dirty="0">
+                <a:latin typeface="+mj-lt"/>
+                <a:ea typeface="Calibri" panose="020F0502020204030204" pitchFamily="34" charset="0"/>
+                <a:cs typeface="Fira Code Light" panose="020B0809050000020004" pitchFamily="49" charset="0"/>
+              </a:rPr>
+              <a:t>(</a:t>
+            </a:r>
+            <a:r>
+              <a:rPr lang="en-US" i="1" dirty="0">
+                <a:latin typeface="+mj-lt"/>
+                <a:ea typeface="Calibri" panose="020F0502020204030204" pitchFamily="34" charset="0"/>
+                <a:cs typeface="Fira Code Light" panose="020B0809050000020004" pitchFamily="49" charset="0"/>
+              </a:rPr>
+              <a:t>analyzing the time-series characteristics of upworthy.com before and after they made a no-clickbait pledge</a:t>
+            </a:r>
+            <a:r>
+              <a:rPr lang="en-US" dirty="0">
+                <a:latin typeface="+mj-lt"/>
+                <a:ea typeface="Calibri" panose="020F0502020204030204" pitchFamily="34" charset="0"/>
+                <a:cs typeface="Fira Code Light" panose="020B0809050000020004" pitchFamily="49" charset="0"/>
+              </a:rPr>
+              <a:t>).</a:t>
+            </a:r>
+            <a:endParaRPr lang="en-US" dirty="0">
+              <a:effectLst/>
+              <a:latin typeface="+mj-lt"/>
+              <a:ea typeface="Calibri" panose="020F0502020204030204" pitchFamily="34" charset="0"/>
+              <a:cs typeface="Times New Roman" panose="02020603050405020304" pitchFamily="18" charset="0"/>
+            </a:endParaRPr>
+          </a:p>
+          <a:p>
+            <a:pPr marL="342900" marR="0" lvl="0" indent="-342900">
               <a:lnSpc>
                 <a:spcPct val="107000"/>
               </a:lnSpc>
@@ -6319,17 +6940,45 @@
               <a:spcAft>
                 <a:spcPts val="0"/>
               </a:spcAft>
-              <a:buNone/>
+              <a:buFont typeface="Symbol" panose="05050102010706020507" pitchFamily="18" charset="2"/>
+              <a:buChar char=""/>
             </a:pPr>
-            <a:endParaRPr lang="en-US" sz="1800" dirty="0">
+            <a:r>
+              <a:rPr lang="en-US" dirty="0">
+                <a:effectLst/>
+                <a:latin typeface="+mj-lt"/>
+                <a:ea typeface="Calibri" panose="020F0502020204030204" pitchFamily="34" charset="0"/>
+                <a:cs typeface="Fira Code Light" panose="020B0809050000020004" pitchFamily="49" charset="0"/>
+              </a:rPr>
+              <a:t>Analyzing impact in terms of financial/growth/ethical implications (</a:t>
+            </a:r>
+            <a:r>
+              <a:rPr lang="en-US" i="1" dirty="0">
+                <a:effectLst/>
+                <a:latin typeface="+mj-lt"/>
+                <a:ea typeface="Calibri" panose="020F0502020204030204" pitchFamily="34" charset="0"/>
+                <a:cs typeface="Fira Code Light" panose="020B0809050000020004" pitchFamily="49" charset="0"/>
+              </a:rPr>
+              <a:t>understanding + assess their future business plan</a:t>
+            </a:r>
+            <a:r>
+              <a:rPr lang="en-US" dirty="0">
+                <a:effectLst/>
+                <a:latin typeface="+mj-lt"/>
+                <a:ea typeface="Calibri" panose="020F0502020204030204" pitchFamily="34" charset="0"/>
+                <a:cs typeface="Fira Code Light" panose="020B0809050000020004" pitchFamily="49" charset="0"/>
+              </a:rPr>
+              <a:t>)</a:t>
+            </a:r>
+            <a:endParaRPr lang="en-US" dirty="0">
               <a:effectLst/>
-              <a:latin typeface="Calibri" panose="020F0502020204030204" pitchFamily="34" charset="0"/>
+              <a:latin typeface="+mj-lt"/>
               <a:ea typeface="Calibri" panose="020F0502020204030204" pitchFamily="34" charset="0"/>
               <a:cs typeface="Times New Roman" panose="02020603050405020304" pitchFamily="18" charset="0"/>
             </a:endParaRPr>
           </a:p>
           <a:p>
-            <a:pPr marL="0" marR="0" indent="0">
+            <a:pPr marL="342900" marR="0" lvl="0" indent="-342900">
               <a:lnSpc>
                 <a:spcPct val="107000"/>
               </a:lnSpc>
@@ -6337,226 +6986,33 @@
                 <a:spcPts val="0"/>
               </a:spcBef>
               <a:spcAft>
-                <a:spcPts val="0"/>
+                <a:spcPts val="800"/>
               </a:spcAft>
-              <a:buNone/>
+              <a:buFont typeface="Symbol" panose="05050102010706020507" pitchFamily="18" charset="2"/>
+              <a:buChar char=""/>
             </a:pPr>
             <a:r>
-              <a:rPr lang="en-US" sz="1800" dirty="0">
+              <a:rPr lang="en-US" dirty="0">
                 <a:effectLst/>
-                <a:latin typeface="Avenir Next LT Pro" panose="020B0504020202020204" pitchFamily="34" charset="0"/>
+                <a:latin typeface="+mj-lt"/>
                 <a:ea typeface="Calibri" panose="020F0502020204030204" pitchFamily="34" charset="0"/>
                 <a:cs typeface="Fira Code Light" panose="020B0809050000020004" pitchFamily="49" charset="0"/>
               </a:rPr>
-              <a:t>2. </a:t>
-            </a:r>
-            <a:r>
-              <a:rPr lang="en-US" sz="1800" b="1" dirty="0">
-                <a:effectLst/>
-                <a:latin typeface="Avenir Next LT Pro" panose="020B0504020202020204" pitchFamily="34" charset="0"/>
-                <a:ea typeface="Calibri" panose="020F0502020204030204" pitchFamily="34" charset="0"/>
-                <a:cs typeface="Fira Code Light" panose="020B0809050000020004" pitchFamily="49" charset="0"/>
-              </a:rPr>
-              <a:t>Technical Mastery:</a:t>
-            </a:r>
-            <a:r>
-              <a:rPr lang="en-US" sz="1800" dirty="0">
-                <a:effectLst/>
-                <a:latin typeface="Avenir Next LT Pro" panose="020B0504020202020204" pitchFamily="34" charset="0"/>
-                <a:ea typeface="Calibri" panose="020F0502020204030204" pitchFamily="34" charset="0"/>
-                <a:cs typeface="Fira Code Light" panose="020B0809050000020004" pitchFamily="49" charset="0"/>
-              </a:rPr>
-              <a:t> Is your proposal technically correct? Did you use any interesting technologies?</a:t>
-            </a:r>
-          </a:p>
-          <a:p>
-            <a:pPr marL="0" marR="0" indent="0">
-              <a:lnSpc>
-                <a:spcPct val="107000"/>
-              </a:lnSpc>
-              <a:spcBef>
-                <a:spcPts val="0"/>
-              </a:spcBef>
-              <a:spcAft>
-                <a:spcPts val="0"/>
-              </a:spcAft>
-              <a:buNone/>
-            </a:pPr>
-            <a:r>
-              <a:rPr lang="en-US" sz="1800" dirty="0">
-                <a:latin typeface="Avenir Next LT Pro" panose="020B0504020202020204" pitchFamily="34" charset="0"/>
-                <a:ea typeface="Calibri" panose="020F0502020204030204" pitchFamily="34" charset="0"/>
-                <a:cs typeface="Fira Code Light" panose="020B0809050000020004" pitchFamily="49" charset="0"/>
-              </a:rPr>
-              <a:t>Judges will be looking for technical correctness (no technical mistakes, how interesting is the problem approach and solution, is your presentation unique).</a:t>
-            </a:r>
-          </a:p>
-          <a:p>
-            <a:pPr marL="0" marR="0" indent="0">
-              <a:lnSpc>
-                <a:spcPct val="107000"/>
-              </a:lnSpc>
-              <a:spcBef>
-                <a:spcPts val="0"/>
-              </a:spcBef>
-              <a:spcAft>
-                <a:spcPts val="0"/>
-              </a:spcAft>
-              <a:buNone/>
-            </a:pPr>
-            <a:endParaRPr lang="en-US" sz="1800" dirty="0">
+              <a:t>Building a compelling dashboard/visualization in the context of the key question</a:t>
+            </a:r>
+            <a:endParaRPr lang="en-US" dirty="0">
               <a:effectLst/>
-              <a:latin typeface="Calibri" panose="020F0502020204030204" pitchFamily="34" charset="0"/>
+              <a:latin typeface="+mj-lt"/>
               <a:ea typeface="Calibri" panose="020F0502020204030204" pitchFamily="34" charset="0"/>
               <a:cs typeface="Times New Roman" panose="02020603050405020304" pitchFamily="18" charset="0"/>
             </a:endParaRPr>
           </a:p>
-          <a:p>
-            <a:pPr marL="0" marR="0" indent="0">
-              <a:lnSpc>
-                <a:spcPct val="107000"/>
-              </a:lnSpc>
-              <a:spcBef>
-                <a:spcPts val="0"/>
-              </a:spcBef>
-              <a:spcAft>
-                <a:spcPts val="0"/>
-              </a:spcAft>
-              <a:buNone/>
-            </a:pPr>
-            <a:r>
-              <a:rPr lang="en-US" sz="1800" dirty="0">
-                <a:effectLst/>
-                <a:latin typeface="Avenir Next LT Pro" panose="020B0504020202020204" pitchFamily="34" charset="0"/>
-                <a:ea typeface="Calibri" panose="020F0502020204030204" pitchFamily="34" charset="0"/>
-                <a:cs typeface="Fira Code Light" panose="020B0809050000020004" pitchFamily="49" charset="0"/>
-              </a:rPr>
-              <a:t>3. </a:t>
-            </a:r>
-            <a:r>
-              <a:rPr lang="en-US" sz="1800" b="1" dirty="0">
-                <a:effectLst/>
-                <a:latin typeface="Avenir Next LT Pro" panose="020B0504020202020204" pitchFamily="34" charset="0"/>
-                <a:ea typeface="Calibri" panose="020F0502020204030204" pitchFamily="34" charset="0"/>
-                <a:cs typeface="Fira Code Light" panose="020B0809050000020004" pitchFamily="49" charset="0"/>
-              </a:rPr>
-              <a:t>Quality:</a:t>
-            </a:r>
-            <a:r>
-              <a:rPr lang="en-US" sz="1800" dirty="0">
-                <a:effectLst/>
-                <a:latin typeface="Avenir Next LT Pro" panose="020B0504020202020204" pitchFamily="34" charset="0"/>
-                <a:ea typeface="Calibri" panose="020F0502020204030204" pitchFamily="34" charset="0"/>
-                <a:cs typeface="Fira Code Light" panose="020B0809050000020004" pitchFamily="49" charset="0"/>
-              </a:rPr>
-              <a:t> How effective is your presentation? How polished is your code? How</a:t>
-            </a:r>
-            <a:endParaRPr lang="en-US" sz="1800" dirty="0">
-              <a:effectLst/>
-              <a:latin typeface="Calibri" panose="020F0502020204030204" pitchFamily="34" charset="0"/>
-              <a:ea typeface="Calibri" panose="020F0502020204030204" pitchFamily="34" charset="0"/>
-              <a:cs typeface="Times New Roman" panose="02020603050405020304" pitchFamily="18" charset="0"/>
-            </a:endParaRPr>
-          </a:p>
-          <a:p>
-            <a:pPr marL="0" marR="0" indent="0">
-              <a:lnSpc>
-                <a:spcPct val="107000"/>
-              </a:lnSpc>
-              <a:spcBef>
-                <a:spcPts val="0"/>
-              </a:spcBef>
-              <a:spcAft>
-                <a:spcPts val="0"/>
-              </a:spcAft>
-              <a:buNone/>
-            </a:pPr>
-            <a:r>
-              <a:rPr lang="en-US" sz="1800" dirty="0">
-                <a:effectLst/>
-                <a:latin typeface="Avenir Next LT Pro" panose="020B0504020202020204" pitchFamily="34" charset="0"/>
-                <a:ea typeface="Calibri" panose="020F0502020204030204" pitchFamily="34" charset="0"/>
-                <a:cs typeface="Fira Code Light" panose="020B0809050000020004" pitchFamily="49" charset="0"/>
-              </a:rPr>
-              <a:t>well can you sell your idea?</a:t>
-            </a:r>
-          </a:p>
-          <a:p>
-            <a:pPr marL="0" marR="0" indent="0">
-              <a:lnSpc>
-                <a:spcPct val="107000"/>
-              </a:lnSpc>
-              <a:spcBef>
-                <a:spcPts val="0"/>
-              </a:spcBef>
-              <a:spcAft>
-                <a:spcPts val="0"/>
-              </a:spcAft>
-              <a:buNone/>
-            </a:pPr>
-            <a:r>
-              <a:rPr lang="en-US" sz="1800" dirty="0">
-                <a:latin typeface="Avenir Next LT Pro" panose="020B0504020202020204" pitchFamily="34" charset="0"/>
-                <a:ea typeface="Calibri" panose="020F0502020204030204" pitchFamily="34" charset="0"/>
-                <a:cs typeface="Fira Code Light" panose="020B0809050000020004" pitchFamily="49" charset="0"/>
-              </a:rPr>
-              <a:t>Judges will be looking for overall quality in terms of code, presentation, and pitch</a:t>
-            </a:r>
-          </a:p>
-          <a:p>
-            <a:pPr marL="0" marR="0" indent="0">
-              <a:lnSpc>
-                <a:spcPct val="107000"/>
-              </a:lnSpc>
-              <a:spcBef>
-                <a:spcPts val="0"/>
-              </a:spcBef>
-              <a:spcAft>
-                <a:spcPts val="0"/>
-              </a:spcAft>
-              <a:buNone/>
-            </a:pPr>
-            <a:endParaRPr lang="en-US" sz="1800" dirty="0">
-              <a:effectLst/>
-              <a:latin typeface="Avenir Next LT Pro" panose="020B0504020202020204" pitchFamily="34" charset="0"/>
-              <a:ea typeface="Calibri" panose="020F0502020204030204" pitchFamily="34" charset="0"/>
-              <a:cs typeface="Fira Code Light" panose="020B0809050000020004" pitchFamily="49" charset="0"/>
-            </a:endParaRPr>
-          </a:p>
-          <a:p>
-            <a:pPr marL="0" marR="0" indent="0">
-              <a:lnSpc>
-                <a:spcPct val="107000"/>
-              </a:lnSpc>
-              <a:spcBef>
-                <a:spcPts val="0"/>
-              </a:spcBef>
-              <a:spcAft>
-                <a:spcPts val="0"/>
-              </a:spcAft>
-              <a:buNone/>
-            </a:pPr>
-            <a:r>
-              <a:rPr lang="en-US" sz="1800" dirty="0">
-                <a:latin typeface="Avenir Next LT Pro" panose="020B0504020202020204" pitchFamily="34" charset="0"/>
-                <a:ea typeface="Calibri" panose="020F0502020204030204" pitchFamily="34" charset="0"/>
-                <a:cs typeface="Fira Code Light" panose="020B0809050000020004" pitchFamily="49" charset="0"/>
-              </a:rPr>
-              <a:t>Each category is weighted equally by the judges at ~33%</a:t>
-            </a:r>
-            <a:endParaRPr lang="en-US" sz="1800" dirty="0">
-              <a:effectLst/>
-              <a:latin typeface="Calibri" panose="020F0502020204030204" pitchFamily="34" charset="0"/>
-              <a:ea typeface="Calibri" panose="020F0502020204030204" pitchFamily="34" charset="0"/>
-              <a:cs typeface="Times New Roman" panose="02020603050405020304" pitchFamily="18" charset="0"/>
-            </a:endParaRPr>
-          </a:p>
         </p:txBody>
       </p:sp>
     </p:spTree>
     <p:extLst>
       <p:ext uri="{BB962C8B-B14F-4D97-AF65-F5344CB8AC3E}">
-        <p14:creationId xmlns:p14="http://schemas.microsoft.com/office/powerpoint/2010/main" val="1299948151"/>
+        <p14:creationId xmlns:p14="http://schemas.microsoft.com/office/powerpoint/2010/main" val="1134670661"/>
       </p:ext>
     </p:extLst>
   </p:cSld>

--- a/DataHack 2022.pptx
+++ b/DataHack 2022.pptx
@@ -1099,7 +1099,7 @@
             </a:r>
             <a:r>
               <a:rPr lang="en-US" dirty="0"/>
-              <a:t> an example: each user will get 1 or 4 of these packages. Each package will have a different article title and possibly a different image. From Upworthy’s perspective, their goal is to pick the package which maximizes the clicks for their articles. So naturally, they’ll pick a package accordingly.</a:t>
+              <a:t> an example: each user will get 1 or 4 of these packages. So you can image each package has 25% of users assigned to it. Each package will have a different article title and possibly a different image. From Upworthy’s perspective, their goal is to pick the package which maximizes the clicks for their articles. So naturally, they’ll pick a package accordingly.</a:t>
             </a:r>
           </a:p>
         </p:txBody>
@@ -1282,13 +1282,8 @@
           <a:p>
             <a:r>
               <a:rPr lang="en-US" dirty="0"/>
-              <a:t>Basically read off </a:t>
-            </a:r>
-            <a:r>
-              <a:rPr lang="en-US"/>
-              <a:t>this slide</a:t>
-            </a:r>
-            <a:endParaRPr lang="en-US" dirty="0"/>
+              <a:t>Basically read off this slide</a:t>
+            </a:r>
           </a:p>
         </p:txBody>
       </p:sp>

--- a/DataHack 2022.pptx
+++ b/DataHack 2022.pptx
@@ -5,7 +5,7 @@
     <p:sldMasterId id="2147483648" r:id="rId1"/>
   </p:sldMasterIdLst>
   <p:notesMasterIdLst>
-    <p:notesMasterId r:id="rId13"/>
+    <p:notesMasterId r:id="rId14"/>
   </p:notesMasterIdLst>
   <p:sldIdLst>
     <p:sldId id="256" r:id="rId2"/>
@@ -18,7 +18,8 @@
     <p:sldId id="266" r:id="rId9"/>
     <p:sldId id="262" r:id="rId10"/>
     <p:sldId id="264" r:id="rId11"/>
-    <p:sldId id="265" r:id="rId12"/>
+    <p:sldId id="267" r:id="rId12"/>
+    <p:sldId id="265" r:id="rId13"/>
   </p:sldIdLst>
   <p:sldSz cx="12192000" cy="6858000"/>
   <p:notesSz cx="6858000" cy="9144000"/>
@@ -117,6 +118,11 @@
       </a:defRPr>
     </a:lvl9pPr>
   </p:defaultTextStyle>
+  <p:extLst>
+    <p:ext uri="{EFAFB233-063F-42B5-8137-9DF3F51BA10A}">
+      <p15:sldGuideLst xmlns:p15="http://schemas.microsoft.com/office/powerpoint/2012/main"/>
+    </p:ext>
+  </p:extLst>
 </p:presentation>
 </file>
 
@@ -633,6 +639,93 @@
     </p:spTree>
     <p:extLst>
       <p:ext uri="{BB962C8B-B14F-4D97-AF65-F5344CB8AC3E}">
+        <p14:creationId xmlns:p14="http://schemas.microsoft.com/office/powerpoint/2010/main" val="743941898"/>
+      </p:ext>
+    </p:extLst>
+  </p:cSld>
+  <p:clrMapOvr>
+    <a:masterClrMapping/>
+  </p:clrMapOvr>
+</p:notes>
+</file>
+
+<file path=ppt/notesSlides/notesSlide11.xml><?xml version="1.0" encoding="utf-8"?>
+<p:notes xmlns:a="http://schemas.openxmlformats.org/drawingml/2006/main" xmlns:r="http://schemas.openxmlformats.org/officeDocument/2006/relationships" xmlns:p="http://schemas.openxmlformats.org/presentationml/2006/main">
+  <p:cSld>
+    <p:spTree>
+      <p:nvGrpSpPr>
+        <p:cNvPr id="1" name=""/>
+        <p:cNvGrpSpPr/>
+        <p:nvPr/>
+      </p:nvGrpSpPr>
+      <p:grpSpPr>
+        <a:xfrm>
+          <a:off x="0" y="0"/>
+          <a:ext cx="0" cy="0"/>
+          <a:chOff x="0" y="0"/>
+          <a:chExt cx="0" cy="0"/>
+        </a:xfrm>
+      </p:grpSpPr>
+      <p:sp>
+        <p:nvSpPr>
+          <p:cNvPr id="2" name="Slide Image Placeholder 1"/>
+          <p:cNvSpPr>
+            <a:spLocks noGrp="1" noRot="1" noChangeAspect="1"/>
+          </p:cNvSpPr>
+          <p:nvPr>
+            <p:ph type="sldImg"/>
+          </p:nvPr>
+        </p:nvSpPr>
+        <p:spPr/>
+      </p:sp>
+      <p:sp>
+        <p:nvSpPr>
+          <p:cNvPr id="3" name="Notes Placeholder 2"/>
+          <p:cNvSpPr>
+            <a:spLocks noGrp="1"/>
+          </p:cNvSpPr>
+          <p:nvPr>
+            <p:ph type="body" idx="1"/>
+          </p:nvPr>
+        </p:nvSpPr>
+        <p:spPr/>
+        <p:txBody>
+          <a:bodyPr/>
+          <a:lstStyle/>
+          <a:p>
+            <a:r>
+              <a:rPr lang="en-US" dirty="0"/>
+              <a:t>Here is how your team will be evaluated (basically read off the slide).</a:t>
+            </a:r>
+          </a:p>
+        </p:txBody>
+      </p:sp>
+      <p:sp>
+        <p:nvSpPr>
+          <p:cNvPr id="4" name="Slide Number Placeholder 3"/>
+          <p:cNvSpPr>
+            <a:spLocks noGrp="1"/>
+          </p:cNvSpPr>
+          <p:nvPr>
+            <p:ph type="sldNum" sz="quarter" idx="5"/>
+          </p:nvPr>
+        </p:nvSpPr>
+        <p:spPr/>
+        <p:txBody>
+          <a:bodyPr/>
+          <a:lstStyle/>
+          <a:p>
+            <a:fld id="{2B55E2ED-C8C4-40A1-8927-FAA740BD50E4}" type="slidenum">
+              <a:rPr lang="en-US" smtClean="0"/>
+              <a:t>12</a:t>
+            </a:fld>
+            <a:endParaRPr lang="en-US"/>
+          </a:p>
+        </p:txBody>
+      </p:sp>
+    </p:spTree>
+    <p:extLst>
+      <p:ext uri="{BB962C8B-B14F-4D97-AF65-F5344CB8AC3E}">
         <p14:creationId xmlns:p14="http://schemas.microsoft.com/office/powerpoint/2010/main" val="3060989975"/>
       </p:ext>
     </p:extLst>
@@ -1099,7 +1192,7 @@
             </a:r>
             <a:r>
               <a:rPr lang="en-US" dirty="0"/>
-              <a:t> an example: each user will get 1 or 4 of these packages. So you can image each package has 25% of users assigned to it. Each package will have a different article title and possibly a different image. From Upworthy’s perspective, their goal is to pick the package which maximizes the clicks for their articles. So naturally, they’ll pick a package accordingly.</a:t>
+              <a:t> an example: each user will get 1 or 4 of these packages. Each package will have a different article title and possibly a different image. From Upworthy’s perspective, their goal is to pick the package which maximizes the clicks for their articles. So naturally, they’ll pick a package accordingly.</a:t>
             </a:r>
           </a:p>
         </p:txBody>
@@ -1282,8 +1375,13 @@
           <a:p>
             <a:r>
               <a:rPr lang="en-US" dirty="0"/>
-              <a:t>Basically read off this slide</a:t>
-            </a:r>
+              <a:t>Basically read off </a:t>
+            </a:r>
+            <a:r>
+              <a:rPr lang="en-US"/>
+              <a:t>this slide</a:t>
+            </a:r>
+            <a:endParaRPr lang="en-US" dirty="0"/>
           </a:p>
         </p:txBody>
       </p:sp>
@@ -5151,6 +5249,311 @@
 </file>
 
 <file path=ppt/slides/slide11.xml><?xml version="1.0" encoding="utf-8"?>
+<p:sld xmlns:a="http://schemas.openxmlformats.org/drawingml/2006/main" xmlns:r="http://schemas.openxmlformats.org/officeDocument/2006/relationships" xmlns:p="http://schemas.openxmlformats.org/presentationml/2006/main">
+  <p:cSld>
+    <p:spTree>
+      <p:nvGrpSpPr>
+        <p:cNvPr id="1" name=""/>
+        <p:cNvGrpSpPr/>
+        <p:nvPr/>
+      </p:nvGrpSpPr>
+      <p:grpSpPr>
+        <a:xfrm>
+          <a:off x="0" y="0"/>
+          <a:ext cx="0" cy="0"/>
+          <a:chOff x="0" y="0"/>
+          <a:chExt cx="0" cy="0"/>
+        </a:xfrm>
+      </p:grpSpPr>
+      <p:sp>
+        <p:nvSpPr>
+          <p:cNvPr id="2" name="Title 1">
+            <a:extLst>
+              <a:ext uri="{FF2B5EF4-FFF2-40B4-BE49-F238E27FC236}">
+                <a16:creationId xmlns:a16="http://schemas.microsoft.com/office/drawing/2014/main" id="{AFDBF751-48DB-4E9A-93D8-2AC018907742}"/>
+              </a:ext>
+            </a:extLst>
+          </p:cNvPr>
+          <p:cNvSpPr>
+            <a:spLocks noGrp="1"/>
+          </p:cNvSpPr>
+          <p:nvPr>
+            <p:ph type="title"/>
+          </p:nvPr>
+        </p:nvSpPr>
+        <p:spPr/>
+        <p:txBody>
+          <a:bodyPr/>
+          <a:lstStyle/>
+          <a:p>
+            <a:r>
+              <a:rPr lang="en-US" dirty="0"/>
+              <a:t>Rooms you can work in</a:t>
+            </a:r>
+          </a:p>
+        </p:txBody>
+      </p:sp>
+      <p:sp>
+        <p:nvSpPr>
+          <p:cNvPr id="3" name="Content Placeholder 2">
+            <a:extLst>
+              <a:ext uri="{FF2B5EF4-FFF2-40B4-BE49-F238E27FC236}">
+                <a16:creationId xmlns:a16="http://schemas.microsoft.com/office/drawing/2014/main" id="{EA4D3670-C82A-411E-BE42-C63738135A4E}"/>
+              </a:ext>
+            </a:extLst>
+          </p:cNvPr>
+          <p:cNvSpPr>
+            <a:spLocks noGrp="1"/>
+          </p:cNvSpPr>
+          <p:nvPr>
+            <p:ph idx="1"/>
+          </p:nvPr>
+        </p:nvSpPr>
+        <p:spPr>
+          <a:xfrm>
+            <a:off x="838199" y="1825625"/>
+            <a:ext cx="9813513" cy="4351338"/>
+          </a:xfrm>
+        </p:spPr>
+        <p:txBody>
+          <a:bodyPr>
+            <a:normAutofit/>
+          </a:bodyPr>
+          <a:lstStyle/>
+          <a:p>
+            <a:pPr marL="0" marR="0" indent="0">
+              <a:lnSpc>
+                <a:spcPct val="107000"/>
+              </a:lnSpc>
+              <a:spcBef>
+                <a:spcPts val="0"/>
+              </a:spcBef>
+              <a:spcAft>
+                <a:spcPts val="0"/>
+              </a:spcAft>
+              <a:buNone/>
+            </a:pPr>
+            <a:r>
+              <a:rPr lang="en-US" b="1" dirty="0">
+                <a:effectLst/>
+                <a:latin typeface="Calibri" panose="020F0502020204030204" pitchFamily="34" charset="0"/>
+                <a:ea typeface="Calibri" panose="020F0502020204030204" pitchFamily="34" charset="0"/>
+                <a:cs typeface="Times New Roman" panose="02020603050405020304" pitchFamily="18" charset="0"/>
+              </a:rPr>
+              <a:t>6.302</a:t>
+            </a:r>
+          </a:p>
+          <a:p>
+            <a:pPr marL="0" marR="0" indent="0">
+              <a:lnSpc>
+                <a:spcPct val="107000"/>
+              </a:lnSpc>
+              <a:spcBef>
+                <a:spcPts val="0"/>
+              </a:spcBef>
+              <a:spcAft>
+                <a:spcPts val="0"/>
+              </a:spcAft>
+              <a:buNone/>
+            </a:pPr>
+            <a:r>
+              <a:rPr lang="en-US" b="1" dirty="0">
+                <a:latin typeface="Calibri" panose="020F0502020204030204" pitchFamily="34" charset="0"/>
+                <a:ea typeface="Calibri" panose="020F0502020204030204" pitchFamily="34" charset="0"/>
+                <a:cs typeface="Times New Roman" panose="02020603050405020304" pitchFamily="18" charset="0"/>
+              </a:rPr>
+              <a:t>4.304</a:t>
+            </a:r>
+          </a:p>
+          <a:p>
+            <a:pPr marL="0" marR="0" indent="0">
+              <a:lnSpc>
+                <a:spcPct val="107000"/>
+              </a:lnSpc>
+              <a:spcBef>
+                <a:spcPts val="0"/>
+              </a:spcBef>
+              <a:spcAft>
+                <a:spcPts val="0"/>
+              </a:spcAft>
+              <a:buNone/>
+            </a:pPr>
+            <a:r>
+              <a:rPr lang="en-US" b="1" dirty="0">
+                <a:effectLst/>
+                <a:latin typeface="Calibri" panose="020F0502020204030204" pitchFamily="34" charset="0"/>
+                <a:ea typeface="Calibri" panose="020F0502020204030204" pitchFamily="34" charset="0"/>
+                <a:cs typeface="Times New Roman" panose="02020603050405020304" pitchFamily="18" charset="0"/>
+              </a:rPr>
+              <a:t>5.304</a:t>
+            </a:r>
+          </a:p>
+          <a:p>
+            <a:pPr marL="0" marR="0" indent="0">
+              <a:lnSpc>
+                <a:spcPct val="107000"/>
+              </a:lnSpc>
+              <a:spcBef>
+                <a:spcPts val="0"/>
+              </a:spcBef>
+              <a:spcAft>
+                <a:spcPts val="0"/>
+              </a:spcAft>
+              <a:buNone/>
+            </a:pPr>
+            <a:r>
+              <a:rPr lang="en-US" b="1" dirty="0">
+                <a:latin typeface="Calibri" panose="020F0502020204030204" pitchFamily="34" charset="0"/>
+                <a:ea typeface="Calibri" panose="020F0502020204030204" pitchFamily="34" charset="0"/>
+                <a:cs typeface="Times New Roman" panose="02020603050405020304" pitchFamily="18" charset="0"/>
+              </a:rPr>
+              <a:t>5.302</a:t>
+            </a:r>
+          </a:p>
+          <a:p>
+            <a:pPr marL="0" marR="0" indent="0">
+              <a:lnSpc>
+                <a:spcPct val="107000"/>
+              </a:lnSpc>
+              <a:spcBef>
+                <a:spcPts val="0"/>
+              </a:spcBef>
+              <a:spcAft>
+                <a:spcPts val="0"/>
+              </a:spcAft>
+              <a:buNone/>
+            </a:pPr>
+            <a:r>
+              <a:rPr lang="en-US" b="1" dirty="0">
+                <a:effectLst/>
+                <a:latin typeface="Calibri" panose="020F0502020204030204" pitchFamily="34" charset="0"/>
+                <a:ea typeface="Calibri" panose="020F0502020204030204" pitchFamily="34" charset="0"/>
+                <a:cs typeface="Times New Roman" panose="02020603050405020304" pitchFamily="18" charset="0"/>
+              </a:rPr>
+              <a:t>2.502</a:t>
+            </a:r>
+          </a:p>
+          <a:p>
+            <a:pPr marL="0" marR="0" indent="0">
+              <a:lnSpc>
+                <a:spcPct val="107000"/>
+              </a:lnSpc>
+              <a:spcBef>
+                <a:spcPts val="0"/>
+              </a:spcBef>
+              <a:spcAft>
+                <a:spcPts val="0"/>
+              </a:spcAft>
+              <a:buNone/>
+            </a:pPr>
+            <a:r>
+              <a:rPr lang="en-US" b="1" dirty="0">
+                <a:latin typeface="Calibri" panose="020F0502020204030204" pitchFamily="34" charset="0"/>
+                <a:ea typeface="Calibri" panose="020F0502020204030204" pitchFamily="34" charset="0"/>
+                <a:cs typeface="Times New Roman" panose="02020603050405020304" pitchFamily="18" charset="0"/>
+              </a:rPr>
+              <a:t>1.304</a:t>
+            </a:r>
+          </a:p>
+          <a:p>
+            <a:pPr marL="0" marR="0" indent="0">
+              <a:lnSpc>
+                <a:spcPct val="107000"/>
+              </a:lnSpc>
+              <a:spcBef>
+                <a:spcPts val="0"/>
+              </a:spcBef>
+              <a:spcAft>
+                <a:spcPts val="0"/>
+              </a:spcAft>
+              <a:buNone/>
+            </a:pPr>
+            <a:r>
+              <a:rPr lang="en-US" b="1" dirty="0">
+                <a:effectLst/>
+                <a:latin typeface="Calibri" panose="020F0502020204030204" pitchFamily="34" charset="0"/>
+                <a:ea typeface="Calibri" panose="020F0502020204030204" pitchFamily="34" charset="0"/>
+                <a:cs typeface="Times New Roman" panose="02020603050405020304" pitchFamily="18" charset="0"/>
+              </a:rPr>
+              <a:t>2.402</a:t>
+            </a:r>
+          </a:p>
+          <a:p>
+            <a:pPr marL="0" marR="0" indent="0">
+              <a:lnSpc>
+                <a:spcPct val="107000"/>
+              </a:lnSpc>
+              <a:spcBef>
+                <a:spcPts val="0"/>
+              </a:spcBef>
+              <a:spcAft>
+                <a:spcPts val="0"/>
+              </a:spcAft>
+              <a:buNone/>
+            </a:pPr>
+            <a:endParaRPr lang="en-US" b="1" dirty="0">
+              <a:latin typeface="Calibri" panose="020F0502020204030204" pitchFamily="34" charset="0"/>
+              <a:ea typeface="Calibri" panose="020F0502020204030204" pitchFamily="34" charset="0"/>
+              <a:cs typeface="Times New Roman" panose="02020603050405020304" pitchFamily="18" charset="0"/>
+            </a:endParaRPr>
+          </a:p>
+          <a:p>
+            <a:pPr marL="0" marR="0" indent="0">
+              <a:lnSpc>
+                <a:spcPct val="107000"/>
+              </a:lnSpc>
+              <a:spcBef>
+                <a:spcPts val="0"/>
+              </a:spcBef>
+              <a:spcAft>
+                <a:spcPts val="0"/>
+              </a:spcAft>
+              <a:buNone/>
+            </a:pPr>
+            <a:r>
+              <a:rPr lang="en-US" b="1" dirty="0">
+                <a:effectLst/>
+                <a:latin typeface="Calibri" panose="020F0502020204030204" pitchFamily="34" charset="0"/>
+                <a:ea typeface="Calibri" panose="020F0502020204030204" pitchFamily="34" charset="0"/>
+                <a:cs typeface="Times New Roman" panose="02020603050405020304" pitchFamily="18" charset="0"/>
+              </a:rPr>
+              <a:t>You can work on any of the bridges too (3,4,5,6</a:t>
+            </a:r>
+            <a:r>
+              <a:rPr lang="en-US" b="1" baseline="30000" dirty="0">
+                <a:effectLst/>
+                <a:latin typeface="Calibri" panose="020F0502020204030204" pitchFamily="34" charset="0"/>
+                <a:ea typeface="Calibri" panose="020F0502020204030204" pitchFamily="34" charset="0"/>
+                <a:cs typeface="Times New Roman" panose="02020603050405020304" pitchFamily="18" charset="0"/>
+              </a:rPr>
+              <a:t>th</a:t>
+            </a:r>
+            <a:r>
+              <a:rPr lang="en-US" b="1" dirty="0">
+                <a:effectLst/>
+                <a:latin typeface="Calibri" panose="020F0502020204030204" pitchFamily="34" charset="0"/>
+                <a:ea typeface="Calibri" panose="020F0502020204030204" pitchFamily="34" charset="0"/>
+                <a:cs typeface="Times New Roman" panose="02020603050405020304" pitchFamily="18" charset="0"/>
+              </a:rPr>
+              <a:t> floor)</a:t>
+            </a:r>
+          </a:p>
+        </p:txBody>
+      </p:sp>
+    </p:spTree>
+    <p:extLst>
+      <p:ext uri="{BB962C8B-B14F-4D97-AF65-F5344CB8AC3E}">
+        <p14:creationId xmlns:p14="http://schemas.microsoft.com/office/powerpoint/2010/main" val="3923349056"/>
+      </p:ext>
+    </p:extLst>
+  </p:cSld>
+  <p:clrMapOvr>
+    <a:masterClrMapping/>
+  </p:clrMapOvr>
+</p:sld>
+</file>
+
+<file path=ppt/slides/slide12.xml><?xml version="1.0" encoding="utf-8"?>
 <p:sld xmlns:a="http://schemas.openxmlformats.org/drawingml/2006/main" xmlns:r="http://schemas.openxmlformats.org/officeDocument/2006/relationships" xmlns:p="http://schemas.openxmlformats.org/presentationml/2006/main">
   <p:cSld>
     <p:spTree>
